--- a/160 - While Humble Shepherds Watched .pptx
+++ b/160 - While Humble Shepherds Watched .pptx
@@ -115,10 +115,6 @@
 </p:presentation>
 </file>
 
-<file path=ppt/revisionInfo.xml><?xml version="1.0" encoding="utf-8"?>
-<p1510:revInfo xmlns:a="http://schemas.openxmlformats.org/drawingml/2006/main" xmlns:r="http://schemas.openxmlformats.org/officeDocument/2006/relationships" xmlns:p1510="http://schemas.microsoft.com/office/powerpoint/2015/10/main"/>
-</file>
-
 <file path=ppt/slideLayouts/slideLayout1.xml><?xml version="1.0" encoding="utf-8"?>
 <p:sldLayout xmlns:a="http://schemas.openxmlformats.org/drawingml/2006/main" xmlns:r="http://schemas.openxmlformats.org/officeDocument/2006/relationships" xmlns:p="http://schemas.openxmlformats.org/presentationml/2006/main" type="title" preserve="1">
   <p:cSld name="Title Slide">
@@ -248,7 +244,7 @@
           <a:p>
             <a:fld id="{32F7251A-AE54-443C-B8FE-5F636E835EBF}" type="datetimeFigureOut">
               <a:rPr lang="en-US" smtClean="0"/>
-              <a:t>11/26/2017</a:t>
+              <a:t>8/9/2020</a:t>
             </a:fld>
             <a:endParaRPr lang="en-US"/>
           </a:p>
@@ -416,7 +412,7 @@
           <a:p>
             <a:fld id="{32F7251A-AE54-443C-B8FE-5F636E835EBF}" type="datetimeFigureOut">
               <a:rPr lang="en-US" smtClean="0"/>
-              <a:t>11/26/2017</a:t>
+              <a:t>8/9/2020</a:t>
             </a:fld>
             <a:endParaRPr lang="en-US"/>
           </a:p>
@@ -594,7 +590,7 @@
           <a:p>
             <a:fld id="{32F7251A-AE54-443C-B8FE-5F636E835EBF}" type="datetimeFigureOut">
               <a:rPr lang="en-US" smtClean="0"/>
-              <a:t>11/26/2017</a:t>
+              <a:t>8/9/2020</a:t>
             </a:fld>
             <a:endParaRPr lang="en-US"/>
           </a:p>
@@ -762,7 +758,7 @@
           <a:p>
             <a:fld id="{32F7251A-AE54-443C-B8FE-5F636E835EBF}" type="datetimeFigureOut">
               <a:rPr lang="en-US" smtClean="0"/>
-              <a:t>11/26/2017</a:t>
+              <a:t>8/9/2020</a:t>
             </a:fld>
             <a:endParaRPr lang="en-US"/>
           </a:p>
@@ -1007,7 +1003,7 @@
           <a:p>
             <a:fld id="{32F7251A-AE54-443C-B8FE-5F636E835EBF}" type="datetimeFigureOut">
               <a:rPr lang="en-US" smtClean="0"/>
-              <a:t>11/26/2017</a:t>
+              <a:t>8/9/2020</a:t>
             </a:fld>
             <a:endParaRPr lang="en-US"/>
           </a:p>
@@ -1236,7 +1232,7 @@
           <a:p>
             <a:fld id="{32F7251A-AE54-443C-B8FE-5F636E835EBF}" type="datetimeFigureOut">
               <a:rPr lang="en-US" smtClean="0"/>
-              <a:t>11/26/2017</a:t>
+              <a:t>8/9/2020</a:t>
             </a:fld>
             <a:endParaRPr lang="en-US"/>
           </a:p>
@@ -1600,7 +1596,7 @@
           <a:p>
             <a:fld id="{32F7251A-AE54-443C-B8FE-5F636E835EBF}" type="datetimeFigureOut">
               <a:rPr lang="en-US" smtClean="0"/>
-              <a:t>11/26/2017</a:t>
+              <a:t>8/9/2020</a:t>
             </a:fld>
             <a:endParaRPr lang="en-US"/>
           </a:p>
@@ -1717,7 +1713,7 @@
           <a:p>
             <a:fld id="{32F7251A-AE54-443C-B8FE-5F636E835EBF}" type="datetimeFigureOut">
               <a:rPr lang="en-US" smtClean="0"/>
-              <a:t>11/26/2017</a:t>
+              <a:t>8/9/2020</a:t>
             </a:fld>
             <a:endParaRPr lang="en-US"/>
           </a:p>
@@ -1812,7 +1808,7 @@
           <a:p>
             <a:fld id="{32F7251A-AE54-443C-B8FE-5F636E835EBF}" type="datetimeFigureOut">
               <a:rPr lang="en-US" smtClean="0"/>
-              <a:t>11/26/2017</a:t>
+              <a:t>8/9/2020</a:t>
             </a:fld>
             <a:endParaRPr lang="en-US"/>
           </a:p>
@@ -2087,7 +2083,7 @@
           <a:p>
             <a:fld id="{32F7251A-AE54-443C-B8FE-5F636E835EBF}" type="datetimeFigureOut">
               <a:rPr lang="en-US" smtClean="0"/>
-              <a:t>11/26/2017</a:t>
+              <a:t>8/9/2020</a:t>
             </a:fld>
             <a:endParaRPr lang="en-US"/>
           </a:p>
@@ -2339,7 +2335,7 @@
           <a:p>
             <a:fld id="{32F7251A-AE54-443C-B8FE-5F636E835EBF}" type="datetimeFigureOut">
               <a:rPr lang="en-US" smtClean="0"/>
-              <a:t>11/26/2017</a:t>
+              <a:t>8/9/2020</a:t>
             </a:fld>
             <a:endParaRPr lang="en-US"/>
           </a:p>
@@ -2406,7 +2402,9 @@
     <p:bg>
       <p:bgPr>
         <a:solidFill>
-          <a:srgbClr val="333333"/>
+          <a:schemeClr val="bg1">
+            <a:lumMod val="10000"/>
+          </a:schemeClr>
         </a:solidFill>
         <a:effectLst/>
       </p:bgPr>
@@ -2553,7 +2551,7 @@
           <a:p>
             <a:fld id="{32F7251A-AE54-443C-B8FE-5F636E835EBF}" type="datetimeFigureOut">
               <a:rPr lang="en-US" smtClean="0"/>
-              <a:t>11/26/2017</a:t>
+              <a:t>8/9/2020</a:t>
             </a:fld>
             <a:endParaRPr lang="en-US"/>
           </a:p>
@@ -3023,8 +3021,8 @@
         </p:nvSpPr>
         <p:spPr>
           <a:xfrm>
-            <a:off x="0" y="5804209"/>
-            <a:ext cx="12192000" cy="830997"/>
+            <a:off x="0" y="5927320"/>
+            <a:ext cx="12192000" cy="584775"/>
           </a:xfrm>
           <a:prstGeom prst="rect">
             <a:avLst/>
@@ -3039,10 +3037,12 @@
           <a:p>
             <a:pPr algn="ctr"/>
             <a:r>
-              <a:rPr lang="en-US" sz="4800" dirty="0">
+              <a:rPr lang="en-US" sz="3200" u="sng" dirty="0">
                 <a:solidFill>
                   <a:schemeClr val="bg1"/>
                 </a:solidFill>
+                <a:latin typeface="Assistant SemiBold" panose="00000700000000000000" pitchFamily="2" charset="-79"/>
+                <a:cs typeface="Assistant SemiBold" panose="00000700000000000000" pitchFamily="2" charset="-79"/>
               </a:rPr>
               <a:t>“Angels, from the Realms of Glory”</a:t>
             </a:r>
@@ -3057,8 +3057,8 @@
         </p:nvSpPr>
         <p:spPr>
           <a:xfrm>
-            <a:off x="0" y="690444"/>
-            <a:ext cx="12192000" cy="3970318"/>
+            <a:off x="0" y="1022944"/>
+            <a:ext cx="12192000" cy="3108543"/>
           </a:xfrm>
           <a:prstGeom prst="rect">
             <a:avLst/>
@@ -3073,10 +3073,12 @@
           <a:p>
             <a:pPr algn="ctr"/>
             <a:r>
-              <a:rPr lang="en-US" sz="3600" dirty="0">
+              <a:rPr lang="en-US" sz="2800" spc="50" dirty="0">
                 <a:solidFill>
                   <a:schemeClr val="bg1"/>
                 </a:solidFill>
+                <a:latin typeface="Assistant" panose="00000500000000000000" pitchFamily="2" charset="-79"/>
+                <a:cs typeface="Assistant" panose="00000500000000000000" pitchFamily="2" charset="-79"/>
               </a:rPr>
               <a:t>Angels from the realms of glory,</a:t>
             </a:r>
@@ -3084,10 +3086,12 @@
           <a:p>
             <a:pPr algn="ctr"/>
             <a:r>
-              <a:rPr lang="en-US" sz="3600" dirty="0">
+              <a:rPr lang="en-US" sz="2800" spc="50" dirty="0">
                 <a:solidFill>
                   <a:schemeClr val="bg1"/>
                 </a:solidFill>
+                <a:latin typeface="Assistant" panose="00000500000000000000" pitchFamily="2" charset="-79"/>
+                <a:cs typeface="Assistant" panose="00000500000000000000" pitchFamily="2" charset="-79"/>
               </a:rPr>
               <a:t>Wing your flight o’er all the earth;</a:t>
             </a:r>
@@ -3095,10 +3099,12 @@
           <a:p>
             <a:pPr algn="ctr"/>
             <a:r>
-              <a:rPr lang="en-US" sz="3600" dirty="0">
+              <a:rPr lang="en-US" sz="2800" spc="50" dirty="0">
                 <a:solidFill>
                   <a:schemeClr val="bg1"/>
                 </a:solidFill>
+                <a:latin typeface="Assistant" panose="00000500000000000000" pitchFamily="2" charset="-79"/>
+                <a:cs typeface="Assistant" panose="00000500000000000000" pitchFamily="2" charset="-79"/>
               </a:rPr>
               <a:t>Ye who sang creation’s story,</a:t>
             </a:r>
@@ -3106,29 +3112,35 @@
           <a:p>
             <a:pPr algn="ctr"/>
             <a:r>
-              <a:rPr lang="en-US" sz="3600" dirty="0">
+              <a:rPr lang="en-US" sz="2800" spc="50" dirty="0">
                 <a:solidFill>
                   <a:schemeClr val="bg1"/>
                 </a:solidFill>
+                <a:latin typeface="Assistant" panose="00000500000000000000" pitchFamily="2" charset="-79"/>
+                <a:cs typeface="Assistant" panose="00000500000000000000" pitchFamily="2" charset="-79"/>
               </a:rPr>
               <a:t>Now proclaim Messiah’s birth:</a:t>
             </a:r>
           </a:p>
           <a:p>
             <a:pPr algn="ctr"/>
-            <a:endParaRPr lang="en-US" sz="3600" dirty="0">
+            <a:endParaRPr lang="en-US" sz="2800" spc="50" dirty="0">
               <a:solidFill>
                 <a:schemeClr val="bg1"/>
               </a:solidFill>
+              <a:latin typeface="Assistant" panose="00000500000000000000" pitchFamily="2" charset="-79"/>
+              <a:cs typeface="Assistant" panose="00000500000000000000" pitchFamily="2" charset="-79"/>
             </a:endParaRPr>
           </a:p>
           <a:p>
             <a:pPr algn="ctr"/>
             <a:r>
-              <a:rPr lang="en-US" sz="3600" dirty="0">
+              <a:rPr lang="en-US" sz="2800" spc="50" dirty="0">
                 <a:solidFill>
                   <a:schemeClr val="bg1"/>
                 </a:solidFill>
+                <a:latin typeface="Assistant" panose="00000500000000000000" pitchFamily="2" charset="-79"/>
+                <a:cs typeface="Assistant" panose="00000500000000000000" pitchFamily="2" charset="-79"/>
               </a:rPr>
               <a:t>Come and worship, come and worship,</a:t>
             </a:r>
@@ -3136,10 +3148,12 @@
           <a:p>
             <a:pPr algn="ctr"/>
             <a:r>
-              <a:rPr lang="en-US" sz="3600" dirty="0">
+              <a:rPr lang="en-US" sz="2800" spc="50" dirty="0">
                 <a:solidFill>
                   <a:schemeClr val="bg1"/>
                 </a:solidFill>
+                <a:latin typeface="Assistant" panose="00000500000000000000" pitchFamily="2" charset="-79"/>
+                <a:cs typeface="Assistant" panose="00000500000000000000" pitchFamily="2" charset="-79"/>
               </a:rPr>
               <a:t>Worship Christ, the new-born King!</a:t>
             </a:r>
@@ -3241,8 +3255,8 @@
         </p:nvSpPr>
         <p:spPr>
           <a:xfrm>
-            <a:off x="0" y="5804209"/>
-            <a:ext cx="12192000" cy="830997"/>
+            <a:off x="0" y="5927320"/>
+            <a:ext cx="12192000" cy="584775"/>
           </a:xfrm>
           <a:prstGeom prst="rect">
             <a:avLst/>
@@ -3257,10 +3271,12 @@
           <a:p>
             <a:pPr algn="ctr"/>
             <a:r>
-              <a:rPr lang="en-US" sz="4800" dirty="0">
+              <a:rPr lang="en-US" sz="3200" u="sng" dirty="0">
                 <a:solidFill>
                   <a:schemeClr val="bg1"/>
                 </a:solidFill>
+                <a:latin typeface="Assistant SemiBold" panose="00000700000000000000" pitchFamily="2" charset="-79"/>
+                <a:cs typeface="Assistant SemiBold" panose="00000700000000000000" pitchFamily="2" charset="-79"/>
               </a:rPr>
               <a:t>“Angels, from the Realms of Glory”</a:t>
             </a:r>
@@ -3281,8 +3297,8 @@
         </p:nvSpPr>
         <p:spPr>
           <a:xfrm>
-            <a:off x="0" y="690444"/>
-            <a:ext cx="12192000" cy="3970318"/>
+            <a:off x="0" y="1022944"/>
+            <a:ext cx="12192000" cy="3108543"/>
           </a:xfrm>
           <a:prstGeom prst="rect">
             <a:avLst/>
@@ -3297,10 +3313,12 @@
           <a:p>
             <a:pPr algn="ctr"/>
             <a:r>
-              <a:rPr lang="en-US" sz="3600" dirty="0">
+              <a:rPr lang="en-US" sz="2800" spc="50" dirty="0">
                 <a:solidFill>
                   <a:schemeClr val="bg1"/>
                 </a:solidFill>
+                <a:latin typeface="Assistant" panose="00000500000000000000" pitchFamily="2" charset="-79"/>
+                <a:cs typeface="Assistant" panose="00000500000000000000" pitchFamily="2" charset="-79"/>
               </a:rPr>
               <a:t>Shepherds in the field abiding, </a:t>
             </a:r>
@@ -3308,10 +3326,12 @@
           <a:p>
             <a:pPr algn="ctr"/>
             <a:r>
-              <a:rPr lang="en-US" sz="3600" dirty="0">
+              <a:rPr lang="en-US" sz="2800" spc="50" dirty="0">
                 <a:solidFill>
                   <a:schemeClr val="bg1"/>
                 </a:solidFill>
+                <a:latin typeface="Assistant" panose="00000500000000000000" pitchFamily="2" charset="-79"/>
+                <a:cs typeface="Assistant" panose="00000500000000000000" pitchFamily="2" charset="-79"/>
               </a:rPr>
               <a:t>watching o’er your flocks by night,</a:t>
             </a:r>
@@ -3319,10 +3339,12 @@
           <a:p>
             <a:pPr algn="ctr"/>
             <a:r>
-              <a:rPr lang="en-US" sz="3600" dirty="0">
+              <a:rPr lang="en-US" sz="2800" spc="50" dirty="0">
                 <a:solidFill>
                   <a:schemeClr val="bg1"/>
                 </a:solidFill>
+                <a:latin typeface="Assistant" panose="00000500000000000000" pitchFamily="2" charset="-79"/>
+                <a:cs typeface="Assistant" panose="00000500000000000000" pitchFamily="2" charset="-79"/>
               </a:rPr>
               <a:t>God with man is now residing,</a:t>
             </a:r>
@@ -3330,29 +3352,35 @@
           <a:p>
             <a:pPr algn="ctr"/>
             <a:r>
-              <a:rPr lang="en-US" sz="3600" dirty="0">
+              <a:rPr lang="en-US" sz="2800" spc="50" dirty="0">
                 <a:solidFill>
                   <a:schemeClr val="bg1"/>
                 </a:solidFill>
+                <a:latin typeface="Assistant" panose="00000500000000000000" pitchFamily="2" charset="-79"/>
+                <a:cs typeface="Assistant" panose="00000500000000000000" pitchFamily="2" charset="-79"/>
               </a:rPr>
               <a:t>Yonder shines the infant light.</a:t>
             </a:r>
           </a:p>
           <a:p>
             <a:pPr algn="ctr"/>
-            <a:endParaRPr lang="en-US" sz="3600" dirty="0">
+            <a:endParaRPr lang="en-US" sz="2800" spc="50" dirty="0">
               <a:solidFill>
                 <a:schemeClr val="bg1"/>
               </a:solidFill>
+              <a:latin typeface="Assistant" panose="00000500000000000000" pitchFamily="2" charset="-79"/>
+              <a:cs typeface="Assistant" panose="00000500000000000000" pitchFamily="2" charset="-79"/>
             </a:endParaRPr>
           </a:p>
           <a:p>
             <a:pPr algn="ctr"/>
             <a:r>
-              <a:rPr lang="en-US" sz="3600" dirty="0">
+              <a:rPr lang="en-US" sz="2800" spc="50" dirty="0">
                 <a:solidFill>
                   <a:schemeClr val="bg1"/>
                 </a:solidFill>
+                <a:latin typeface="Assistant" panose="00000500000000000000" pitchFamily="2" charset="-79"/>
+                <a:cs typeface="Assistant" panose="00000500000000000000" pitchFamily="2" charset="-79"/>
               </a:rPr>
               <a:t>Come and worship, come and worship,</a:t>
             </a:r>
@@ -3360,10 +3388,12 @@
           <a:p>
             <a:pPr algn="ctr"/>
             <a:r>
-              <a:rPr lang="en-US" sz="3600" dirty="0">
+              <a:rPr lang="en-US" sz="2800" spc="50" dirty="0">
                 <a:solidFill>
                   <a:schemeClr val="bg1"/>
                 </a:solidFill>
+                <a:latin typeface="Assistant" panose="00000500000000000000" pitchFamily="2" charset="-79"/>
+                <a:cs typeface="Assistant" panose="00000500000000000000" pitchFamily="2" charset="-79"/>
               </a:rPr>
               <a:t>Worship Christ, the new-born King!</a:t>
             </a:r>
@@ -3465,8 +3495,8 @@
         </p:nvSpPr>
         <p:spPr>
           <a:xfrm>
-            <a:off x="0" y="5804209"/>
-            <a:ext cx="12192000" cy="830997"/>
+            <a:off x="0" y="5927320"/>
+            <a:ext cx="12192000" cy="584775"/>
           </a:xfrm>
           <a:prstGeom prst="rect">
             <a:avLst/>
@@ -3481,10 +3511,12 @@
           <a:p>
             <a:pPr algn="ctr"/>
             <a:r>
-              <a:rPr lang="en-US" sz="4800" dirty="0">
+              <a:rPr lang="en-US" sz="3200" u="sng" dirty="0">
                 <a:solidFill>
                   <a:schemeClr val="bg1"/>
                 </a:solidFill>
+                <a:latin typeface="Assistant SemiBold" panose="00000700000000000000" pitchFamily="2" charset="-79"/>
+                <a:cs typeface="Assistant SemiBold" panose="00000700000000000000" pitchFamily="2" charset="-79"/>
               </a:rPr>
               <a:t>“Angels, from the Realms of Glory”</a:t>
             </a:r>
@@ -3505,8 +3537,8 @@
         </p:nvSpPr>
         <p:spPr>
           <a:xfrm>
-            <a:off x="0" y="690444"/>
-            <a:ext cx="12192000" cy="3970318"/>
+            <a:off x="0" y="1022944"/>
+            <a:ext cx="12192000" cy="3108543"/>
           </a:xfrm>
           <a:prstGeom prst="rect">
             <a:avLst/>
@@ -3521,10 +3553,12 @@
           <a:p>
             <a:pPr algn="ctr"/>
             <a:r>
-              <a:rPr lang="en-US" sz="3600" dirty="0">
+              <a:rPr lang="en-US" sz="2800" spc="50" dirty="0">
                 <a:solidFill>
                   <a:schemeClr val="bg1"/>
                 </a:solidFill>
+                <a:latin typeface="Assistant" panose="00000500000000000000" pitchFamily="2" charset="-79"/>
+                <a:cs typeface="Assistant" panose="00000500000000000000" pitchFamily="2" charset="-79"/>
               </a:rPr>
               <a:t>Sages, leave your contemplations,</a:t>
             </a:r>
@@ -3532,10 +3566,12 @@
           <a:p>
             <a:pPr algn="ctr"/>
             <a:r>
-              <a:rPr lang="en-US" sz="3600" dirty="0">
+              <a:rPr lang="en-US" sz="2800" spc="50" dirty="0">
                 <a:solidFill>
                   <a:schemeClr val="bg1"/>
                 </a:solidFill>
+                <a:latin typeface="Assistant" panose="00000500000000000000" pitchFamily="2" charset="-79"/>
+                <a:cs typeface="Assistant" panose="00000500000000000000" pitchFamily="2" charset="-79"/>
               </a:rPr>
               <a:t>Brighter visions beam afar;</a:t>
             </a:r>
@@ -3543,10 +3579,12 @@
           <a:p>
             <a:pPr algn="ctr"/>
             <a:r>
-              <a:rPr lang="en-US" sz="3600" dirty="0">
+              <a:rPr lang="en-US" sz="2800" spc="50" dirty="0">
                 <a:solidFill>
                   <a:schemeClr val="bg1"/>
                 </a:solidFill>
+                <a:latin typeface="Assistant" panose="00000500000000000000" pitchFamily="2" charset="-79"/>
+                <a:cs typeface="Assistant" panose="00000500000000000000" pitchFamily="2" charset="-79"/>
               </a:rPr>
               <a:t>Seek the great desire of nations,</a:t>
             </a:r>
@@ -3554,29 +3592,35 @@
           <a:p>
             <a:pPr algn="ctr"/>
             <a:r>
-              <a:rPr lang="en-US" sz="3600" dirty="0">
+              <a:rPr lang="en-US" sz="2800" spc="50" dirty="0">
                 <a:solidFill>
                   <a:schemeClr val="bg1"/>
                 </a:solidFill>
+                <a:latin typeface="Assistant" panose="00000500000000000000" pitchFamily="2" charset="-79"/>
+                <a:cs typeface="Assistant" panose="00000500000000000000" pitchFamily="2" charset="-79"/>
               </a:rPr>
               <a:t>you have seen His natal star.</a:t>
             </a:r>
           </a:p>
           <a:p>
             <a:pPr algn="ctr"/>
-            <a:endParaRPr lang="en-US" sz="3600" dirty="0">
+            <a:endParaRPr lang="en-US" sz="2800" spc="50" dirty="0">
               <a:solidFill>
                 <a:schemeClr val="bg1"/>
               </a:solidFill>
+              <a:latin typeface="Assistant" panose="00000500000000000000" pitchFamily="2" charset="-79"/>
+              <a:cs typeface="Assistant" panose="00000500000000000000" pitchFamily="2" charset="-79"/>
             </a:endParaRPr>
           </a:p>
           <a:p>
             <a:pPr algn="ctr"/>
             <a:r>
-              <a:rPr lang="en-US" sz="3600" dirty="0">
+              <a:rPr lang="en-US" sz="2800" spc="50" dirty="0">
                 <a:solidFill>
                   <a:schemeClr val="bg1"/>
                 </a:solidFill>
+                <a:latin typeface="Assistant" panose="00000500000000000000" pitchFamily="2" charset="-79"/>
+                <a:cs typeface="Assistant" panose="00000500000000000000" pitchFamily="2" charset="-79"/>
               </a:rPr>
               <a:t>Come and worship, come and worship,</a:t>
             </a:r>
@@ -3584,10 +3628,12 @@
           <a:p>
             <a:pPr algn="ctr"/>
             <a:r>
-              <a:rPr lang="en-US" sz="3600" dirty="0">
+              <a:rPr lang="en-US" sz="2800" spc="50" dirty="0">
                 <a:solidFill>
                   <a:schemeClr val="bg1"/>
                 </a:solidFill>
+                <a:latin typeface="Assistant" panose="00000500000000000000" pitchFamily="2" charset="-79"/>
+                <a:cs typeface="Assistant" panose="00000500000000000000" pitchFamily="2" charset="-79"/>
               </a:rPr>
               <a:t>Worship Christ, the new-born King!</a:t>
             </a:r>
@@ -3689,8 +3735,8 @@
         </p:nvSpPr>
         <p:spPr>
           <a:xfrm>
-            <a:off x="0" y="5804209"/>
-            <a:ext cx="12192000" cy="830997"/>
+            <a:off x="0" y="5927320"/>
+            <a:ext cx="12192000" cy="584775"/>
           </a:xfrm>
           <a:prstGeom prst="rect">
             <a:avLst/>
@@ -3705,10 +3751,12 @@
           <a:p>
             <a:pPr algn="ctr"/>
             <a:r>
-              <a:rPr lang="en-US" sz="4800" dirty="0">
+              <a:rPr lang="en-US" sz="3200" u="sng" dirty="0">
                 <a:solidFill>
                   <a:schemeClr val="bg1"/>
                 </a:solidFill>
+                <a:latin typeface="Assistant SemiBold" panose="00000700000000000000" pitchFamily="2" charset="-79"/>
+                <a:cs typeface="Assistant SemiBold" panose="00000700000000000000" pitchFamily="2" charset="-79"/>
               </a:rPr>
               <a:t>“Angels, from the Realms of Glory”</a:t>
             </a:r>
@@ -3729,8 +3777,8 @@
         </p:nvSpPr>
         <p:spPr>
           <a:xfrm>
-            <a:off x="0" y="690444"/>
-            <a:ext cx="12192000" cy="3970318"/>
+            <a:off x="0" y="1022944"/>
+            <a:ext cx="12192000" cy="3108543"/>
           </a:xfrm>
           <a:prstGeom prst="rect">
             <a:avLst/>
@@ -3745,10 +3793,12 @@
           <a:p>
             <a:pPr algn="ctr"/>
             <a:r>
-              <a:rPr lang="en-US" sz="3600" dirty="0">
+              <a:rPr lang="en-US" sz="2800" spc="50" dirty="0">
                 <a:solidFill>
                   <a:schemeClr val="bg1"/>
                 </a:solidFill>
+                <a:latin typeface="Assistant" panose="00000500000000000000" pitchFamily="2" charset="-79"/>
+                <a:cs typeface="Assistant" panose="00000500000000000000" pitchFamily="2" charset="-79"/>
               </a:rPr>
               <a:t>Saints before the alter bending,</a:t>
             </a:r>
@@ -3756,10 +3806,12 @@
           <a:p>
             <a:pPr algn="ctr"/>
             <a:r>
-              <a:rPr lang="en-US" sz="3600" dirty="0">
+              <a:rPr lang="en-US" sz="2800" spc="50" dirty="0">
                 <a:solidFill>
                   <a:schemeClr val="bg1"/>
                 </a:solidFill>
+                <a:latin typeface="Assistant" panose="00000500000000000000" pitchFamily="2" charset="-79"/>
+                <a:cs typeface="Assistant" panose="00000500000000000000" pitchFamily="2" charset="-79"/>
               </a:rPr>
               <a:t>watching long in hope and fear,</a:t>
             </a:r>
@@ -3767,67 +3819,61 @@
           <a:p>
             <a:pPr algn="ctr"/>
             <a:r>
-              <a:rPr lang="en-US" sz="3600" dirty="0">
+              <a:rPr lang="en-US" sz="2800" spc="50" dirty="0">
                 <a:solidFill>
                   <a:schemeClr val="bg1"/>
                 </a:solidFill>
+                <a:latin typeface="Assistant" panose="00000500000000000000" pitchFamily="2" charset="-79"/>
+                <a:cs typeface="Assistant" panose="00000500000000000000" pitchFamily="2" charset="-79"/>
               </a:rPr>
-              <a:t>suddenly </a:t>
-            </a:r>
-            <a:r>
-              <a:rPr lang="en-US" sz="3600">
+              <a:t>suddenly the Lord descending,</a:t>
+            </a:r>
+          </a:p>
+          <a:p>
+            <a:pPr algn="ctr"/>
+            <a:r>
+              <a:rPr lang="en-US" sz="2800" spc="50" dirty="0">
                 <a:solidFill>
                   <a:schemeClr val="bg1"/>
                 </a:solidFill>
+                <a:latin typeface="Assistant" panose="00000500000000000000" pitchFamily="2" charset="-79"/>
+                <a:cs typeface="Assistant" panose="00000500000000000000" pitchFamily="2" charset="-79"/>
               </a:rPr>
-              <a:t>the Lord </a:t>
-            </a:r>
-            <a:r>
-              <a:rPr lang="en-US" sz="3600" dirty="0">
+              <a:t>In His temple shall appear:</a:t>
+            </a:r>
+          </a:p>
+          <a:p>
+            <a:pPr algn="ctr"/>
+            <a:endParaRPr lang="en-US" sz="2800" spc="50" dirty="0">
+              <a:solidFill>
+                <a:schemeClr val="bg1"/>
+              </a:solidFill>
+              <a:latin typeface="Assistant" panose="00000500000000000000" pitchFamily="2" charset="-79"/>
+              <a:cs typeface="Assistant" panose="00000500000000000000" pitchFamily="2" charset="-79"/>
+            </a:endParaRPr>
+          </a:p>
+          <a:p>
+            <a:pPr algn="ctr"/>
+            <a:r>
+              <a:rPr lang="en-US" sz="2800" spc="50" dirty="0">
                 <a:solidFill>
                   <a:schemeClr val="bg1"/>
                 </a:solidFill>
+                <a:latin typeface="Assistant" panose="00000500000000000000" pitchFamily="2" charset="-79"/>
+                <a:cs typeface="Assistant" panose="00000500000000000000" pitchFamily="2" charset="-79"/>
               </a:rPr>
-              <a:t>descending,</a:t>
+              <a:t>Come and worship, come and worship,</a:t>
             </a:r>
           </a:p>
           <a:p>
             <a:pPr algn="ctr"/>
             <a:r>
-              <a:rPr lang="en-US" sz="3600" dirty="0">
+              <a:rPr lang="en-US" sz="2800" spc="50" dirty="0">
                 <a:solidFill>
                   <a:schemeClr val="bg1"/>
                 </a:solidFill>
-              </a:rPr>
-              <a:t>In His temple shall appear:</a:t>
-            </a:r>
-          </a:p>
-          <a:p>
-            <a:pPr algn="ctr"/>
-            <a:endParaRPr lang="en-US" sz="3600" dirty="0">
-              <a:solidFill>
-                <a:schemeClr val="bg1"/>
-              </a:solidFill>
-            </a:endParaRPr>
-          </a:p>
-          <a:p>
-            <a:pPr algn="ctr"/>
-            <a:r>
-              <a:rPr lang="en-US" sz="3600" dirty="0">
-                <a:solidFill>
-                  <a:schemeClr val="bg1"/>
-                </a:solidFill>
-              </a:rPr>
-              <a:t>Come and worship, come and worship,</a:t>
-            </a:r>
-          </a:p>
-          <a:p>
-            <a:pPr algn="ctr"/>
-            <a:r>
-              <a:rPr lang="en-US" sz="3600" dirty="0">
-                <a:solidFill>
-                  <a:schemeClr val="bg1"/>
-                </a:solidFill>
+                <a:latin typeface="Assistant" panose="00000500000000000000" pitchFamily="2" charset="-79"/>
+                <a:cs typeface="Assistant" panose="00000500000000000000" pitchFamily="2" charset="-79"/>
               </a:rPr>
               <a:t>Worship Christ, the new-born King!</a:t>
             </a:r>
